--- a/paper.pptx
+++ b/paper.pptx
@@ -7539,17 +7539,7 @@
                 <a:latin typeface="+mn-lt"/>
                 <a:cs typeface="Times New Roman" panose="02020603050405020304" pitchFamily="18" charset="0"/>
               </a:rPr>
-              <a:t>1. </a:t>
-            </a:r>
-            <a:r>
-              <a:rPr lang="en-US" altLang="zh-CN" sz="2400" kern="100" dirty="0" smtClean="0">
-                <a:solidFill>
-                  <a:srgbClr val="000000"/>
-                </a:solidFill>
-                <a:latin typeface="+mn-lt"/>
-                <a:cs typeface="Times New Roman" panose="02020603050405020304" pitchFamily="18" charset="0"/>
-              </a:rPr>
-              <a:t>Crystal-amorphous transition</a:t>
+              <a:t>1. Crystal-amorphous transition</a:t>
             </a:r>
             <a:endParaRPr lang="zh-CN" altLang="en-US" sz="2400" kern="100" dirty="0">
               <a:solidFill>
@@ -7591,27 +7581,7 @@
                 <a:latin typeface="+mn-lt"/>
                 <a:cs typeface="Times New Roman" panose="02020603050405020304" pitchFamily="18" charset="0"/>
               </a:rPr>
-              <a:t>2. </a:t>
-            </a:r>
-            <a:r>
-              <a:rPr lang="en-US" altLang="zh-CN" sz="2400" kern="100" dirty="0" smtClean="0">
-                <a:solidFill>
-                  <a:srgbClr val="000000"/>
-                </a:solidFill>
-                <a:latin typeface="+mn-lt"/>
-                <a:cs typeface="Times New Roman" panose="02020603050405020304" pitchFamily="18" charset="0"/>
-              </a:rPr>
-              <a:t>Knot </a:t>
-            </a:r>
-            <a:r>
-              <a:rPr lang="en-US" altLang="zh-CN" sz="2400" kern="100" dirty="0" smtClean="0">
-                <a:solidFill>
-                  <a:srgbClr val="000000"/>
-                </a:solidFill>
-                <a:latin typeface="+mn-lt"/>
-                <a:cs typeface="Times New Roman" panose="02020603050405020304" pitchFamily="18" charset="0"/>
-              </a:rPr>
-              <a:t>exists every where and it’s a connection between 1D and 0D materials</a:t>
+              <a:t>2. Knot exists every where and it’s a connection between 1D and 0D materials</a:t>
             </a:r>
             <a:endParaRPr lang="zh-CN" altLang="en-US" sz="2400" kern="100" dirty="0">
               <a:solidFill>
@@ -7653,17 +7623,7 @@
                 <a:latin typeface="+mn-lt"/>
                 <a:cs typeface="Times New Roman" panose="02020603050405020304" pitchFamily="18" charset="0"/>
               </a:rPr>
-              <a:t>3. </a:t>
-            </a:r>
-            <a:r>
-              <a:rPr lang="en-US" altLang="zh-CN" sz="2400" kern="100" dirty="0" smtClean="0">
-                <a:solidFill>
-                  <a:srgbClr val="000000"/>
-                </a:solidFill>
-                <a:latin typeface="+mn-lt"/>
-                <a:cs typeface="Times New Roman" panose="02020603050405020304" pitchFamily="18" charset="0"/>
-              </a:rPr>
-              <a:t>Graphene is suitable for the exploring of CAT base on knot</a:t>
+              <a:t>3. Graphene is suitable for the exploring of CAT base on knot</a:t>
             </a:r>
             <a:endParaRPr lang="zh-CN" altLang="en-US" sz="2400" kern="100" dirty="0">
               <a:solidFill>
@@ -7705,37 +7665,7 @@
                 <a:latin typeface="+mn-lt"/>
                 <a:cs typeface="Times New Roman" panose="02020603050405020304" pitchFamily="18" charset="0"/>
               </a:rPr>
-              <a:t>4. From first principle </a:t>
-            </a:r>
-            <a:r>
-              <a:rPr lang="en-US" altLang="zh-CN" sz="2400" kern="100" dirty="0" smtClean="0">
-                <a:solidFill>
-                  <a:srgbClr val="000000"/>
-                </a:solidFill>
-                <a:latin typeface="+mn-lt"/>
-                <a:cs typeface="Times New Roman" panose="02020603050405020304" pitchFamily="18" charset="0"/>
-              </a:rPr>
-              <a:t>and classical MD we explore thermal and electronic properties of graphene knot and found it’s a controllable CAT material under </a:t>
-            </a:r>
-            <a:r>
-              <a:rPr lang="en-US" altLang="zh-CN" sz="2400" kern="100" dirty="0" smtClean="0">
-                <a:solidFill>
-                  <a:srgbClr val="000000"/>
-                </a:solidFill>
-                <a:latin typeface="+mn-lt"/>
-                <a:cs typeface="Times New Roman" panose="02020603050405020304" pitchFamily="18" charset="0"/>
-              </a:rPr>
-              <a:t>uniaxial  </a:t>
-            </a:r>
-            <a:r>
-              <a:rPr lang="en-US" altLang="zh-CN" sz="2400" kern="100" dirty="0" smtClean="0">
-                <a:solidFill>
-                  <a:srgbClr val="000000"/>
-                </a:solidFill>
-                <a:latin typeface="+mn-lt"/>
-                <a:cs typeface="Times New Roman" panose="02020603050405020304" pitchFamily="18" charset="0"/>
-              </a:rPr>
-              <a:t>stress.</a:t>
+              <a:t>4. From first principle and classical MD we explore thermal and electronic properties of graphene knot and found it’s a controllable CAT material under uniaxial  stress.</a:t>
             </a:r>
             <a:endParaRPr lang="zh-CN" altLang="en-US" sz="2400" kern="100" dirty="0">
               <a:solidFill>
@@ -8945,6 +8875,96 @@
           <a:chExt cx="0" cy="0"/>
         </a:xfrm>
       </p:grpSpPr>
+      <p:pic>
+        <p:nvPicPr>
+          <p:cNvPr id="16" name="图片 15"/>
+          <p:cNvPicPr>
+            <a:picLocks noChangeAspect="1"/>
+          </p:cNvPicPr>
+          <p:nvPr/>
+        </p:nvPicPr>
+        <p:blipFill>
+          <a:blip r:embed="rId3">
+            <a:extLst>
+              <a:ext uri="{28A0092B-C50C-407E-A947-70E740481C1C}">
+                <a14:useLocalDpi xmlns:a14="http://schemas.microsoft.com/office/drawing/2010/main" val="0"/>
+              </a:ext>
+            </a:extLst>
+          </a:blip>
+          <a:stretch>
+            <a:fillRect/>
+          </a:stretch>
+        </p:blipFill>
+        <p:spPr>
+          <a:xfrm>
+            <a:off x="505855" y="3846876"/>
+            <a:ext cx="3670260" cy="2874609"/>
+          </a:xfrm>
+          <a:prstGeom prst="rect">
+            <a:avLst/>
+          </a:prstGeom>
+        </p:spPr>
+      </p:pic>
+      <p:pic>
+        <p:nvPicPr>
+          <p:cNvPr id="15" name="图片 14"/>
+          <p:cNvPicPr>
+            <a:picLocks noChangeAspect="1"/>
+          </p:cNvPicPr>
+          <p:nvPr/>
+        </p:nvPicPr>
+        <p:blipFill>
+          <a:blip r:embed="rId4">
+            <a:extLst>
+              <a:ext uri="{28A0092B-C50C-407E-A947-70E740481C1C}">
+                <a14:useLocalDpi xmlns:a14="http://schemas.microsoft.com/office/drawing/2010/main" val="0"/>
+              </a:ext>
+            </a:extLst>
+          </a:blip>
+          <a:stretch>
+            <a:fillRect/>
+          </a:stretch>
+        </p:blipFill>
+        <p:spPr>
+          <a:xfrm>
+            <a:off x="4247315" y="1022887"/>
+            <a:ext cx="3823877" cy="2885945"/>
+          </a:xfrm>
+          <a:prstGeom prst="rect">
+            <a:avLst/>
+          </a:prstGeom>
+        </p:spPr>
+      </p:pic>
+      <p:pic>
+        <p:nvPicPr>
+          <p:cNvPr id="3" name="图片 2"/>
+          <p:cNvPicPr>
+            <a:picLocks noChangeAspect="1"/>
+          </p:cNvPicPr>
+          <p:nvPr/>
+        </p:nvPicPr>
+        <p:blipFill>
+          <a:blip r:embed="rId5">
+            <a:extLst>
+              <a:ext uri="{28A0092B-C50C-407E-A947-70E740481C1C}">
+                <a14:useLocalDpi xmlns:a14="http://schemas.microsoft.com/office/drawing/2010/main" val="0"/>
+              </a:ext>
+            </a:extLst>
+          </a:blip>
+          <a:stretch>
+            <a:fillRect/>
+          </a:stretch>
+        </p:blipFill>
+        <p:spPr>
+          <a:xfrm>
+            <a:off x="541366" y="1074612"/>
+            <a:ext cx="3654158" cy="2894383"/>
+          </a:xfrm>
+          <a:prstGeom prst="rect">
+            <a:avLst/>
+          </a:prstGeom>
+        </p:spPr>
+      </p:pic>
       <p:grpSp>
         <p:nvGrpSpPr>
           <p:cNvPr id="4" name="组合 3"/>
@@ -9077,7 +9097,7 @@
         </p:nvSpPr>
         <p:spPr>
           <a:xfrm>
-            <a:off x="1286214" y="1173450"/>
+            <a:off x="1088737" y="1317249"/>
             <a:ext cx="2376264" cy="307777"/>
           </a:xfrm>
           <a:prstGeom prst="rect">
@@ -9093,14 +9113,14 @@
           <a:p>
             <a:r>
               <a:rPr lang="en-US" altLang="zh-CN" sz="1400" dirty="0" smtClean="0">
-                <a:latin typeface="Batang" panose="02030600000101010101" pitchFamily="18" charset="-127"/>
-                <a:ea typeface="Batang" panose="02030600000101010101" pitchFamily="18" charset="-127"/>
+                <a:latin typeface="微软雅黑" panose="020B0503020204020204" pitchFamily="34" charset="-122"/>
+                <a:ea typeface="微软雅黑" panose="020B0503020204020204" pitchFamily="34" charset="-122"/>
               </a:rPr>
               <a:t>drop strain distribution</a:t>
             </a:r>
             <a:endParaRPr lang="zh-CN" altLang="en-US" sz="1400" dirty="0">
-              <a:latin typeface="Batang" panose="02030600000101010101" pitchFamily="18" charset="-127"/>
-              <a:ea typeface="Batang" panose="02030600000101010101" pitchFamily="18" charset="-127"/>
+              <a:latin typeface="微软雅黑" panose="020B0503020204020204" pitchFamily="34" charset="-122"/>
+              <a:ea typeface="微软雅黑" panose="020B0503020204020204" pitchFamily="34" charset="-122"/>
             </a:endParaRPr>
           </a:p>
         </p:txBody>
@@ -9113,7 +9133,7 @@
         </p:nvSpPr>
         <p:spPr>
           <a:xfrm>
-            <a:off x="5129969" y="1268760"/>
+            <a:off x="5148064" y="1300754"/>
             <a:ext cx="2376264" cy="307777"/>
           </a:xfrm>
           <a:prstGeom prst="rect">
@@ -9129,28 +9149,28 @@
           <a:p>
             <a:r>
               <a:rPr lang="en-US" altLang="zh-CN" sz="1400" dirty="0" err="1" smtClean="0">
-                <a:latin typeface="Batang" panose="02030600000101010101" pitchFamily="18" charset="-127"/>
-                <a:ea typeface="Batang" panose="02030600000101010101" pitchFamily="18" charset="-127"/>
+                <a:latin typeface="微软雅黑" panose="020B0503020204020204" pitchFamily="34" charset="-122"/>
+                <a:ea typeface="微软雅黑" panose="020B0503020204020204" pitchFamily="34" charset="-122"/>
               </a:rPr>
               <a:t>Youngs</a:t>
             </a:r>
             <a:r>
               <a:rPr lang="en-US" altLang="zh-CN" sz="1400" dirty="0" smtClean="0">
-                <a:latin typeface="Batang" panose="02030600000101010101" pitchFamily="18" charset="-127"/>
-                <a:ea typeface="Batang" panose="02030600000101010101" pitchFamily="18" charset="-127"/>
+                <a:latin typeface="微软雅黑" panose="020B0503020204020204" pitchFamily="34" charset="-122"/>
+                <a:ea typeface="微软雅黑" panose="020B0503020204020204" pitchFamily="34" charset="-122"/>
               </a:rPr>
               <a:t>’ </a:t>
             </a:r>
             <a:r>
               <a:rPr lang="en-US" altLang="zh-CN" sz="1400" dirty="0" err="1" smtClean="0">
-                <a:latin typeface="Batang" panose="02030600000101010101" pitchFamily="18" charset="-127"/>
-                <a:ea typeface="Batang" panose="02030600000101010101" pitchFamily="18" charset="-127"/>
+                <a:latin typeface="微软雅黑" panose="020B0503020204020204" pitchFamily="34" charset="-122"/>
+                <a:ea typeface="微软雅黑" panose="020B0503020204020204" pitchFamily="34" charset="-122"/>
               </a:rPr>
               <a:t>Molulous</a:t>
             </a:r>
             <a:endParaRPr lang="zh-CN" altLang="en-US" sz="1400" dirty="0">
-              <a:latin typeface="Batang" panose="02030600000101010101" pitchFamily="18" charset="-127"/>
-              <a:ea typeface="Batang" panose="02030600000101010101" pitchFamily="18" charset="-127"/>
+              <a:latin typeface="微软雅黑" panose="020B0503020204020204" pitchFamily="34" charset="-122"/>
+              <a:ea typeface="微软雅黑" panose="020B0503020204020204" pitchFamily="34" charset="-122"/>
             </a:endParaRPr>
           </a:p>
         </p:txBody>
@@ -9163,7 +9183,7 @@
         </p:nvSpPr>
         <p:spPr>
           <a:xfrm>
-            <a:off x="1286214" y="3839146"/>
+            <a:off x="2047218" y="4211632"/>
             <a:ext cx="2376264" cy="307777"/>
           </a:xfrm>
           <a:prstGeom prst="rect">
@@ -9193,97 +9213,7 @@
       </p:sp>
       <p:pic>
         <p:nvPicPr>
-          <p:cNvPr id="11" name="图片 10"/>
-          <p:cNvPicPr>
-            <a:picLocks noChangeAspect="1"/>
-          </p:cNvPicPr>
-          <p:nvPr/>
-        </p:nvPicPr>
-        <p:blipFill>
-          <a:blip r:embed="rId3">
-            <a:extLst>
-              <a:ext uri="{28A0092B-C50C-407E-A947-70E740481C1C}">
-                <a14:useLocalDpi xmlns:a14="http://schemas.microsoft.com/office/drawing/2010/main" val="0"/>
-              </a:ext>
-            </a:extLst>
-          </a:blip>
-          <a:stretch>
-            <a:fillRect/>
-          </a:stretch>
-        </p:blipFill>
-        <p:spPr>
-          <a:xfrm>
-            <a:off x="4562995" y="4134033"/>
-            <a:ext cx="3223863" cy="2587452"/>
-          </a:xfrm>
-          <a:prstGeom prst="rect">
-            <a:avLst/>
-          </a:prstGeom>
-        </p:spPr>
-      </p:pic>
-      <p:pic>
-        <p:nvPicPr>
-          <p:cNvPr id="12" name="图片 11"/>
-          <p:cNvPicPr>
-            <a:picLocks noChangeAspect="1"/>
-          </p:cNvPicPr>
-          <p:nvPr/>
-        </p:nvPicPr>
-        <p:blipFill>
-          <a:blip r:embed="rId4">
-            <a:extLst>
-              <a:ext uri="{28A0092B-C50C-407E-A947-70E740481C1C}">
-                <a14:useLocalDpi xmlns:a14="http://schemas.microsoft.com/office/drawing/2010/main" val="0"/>
-              </a:ext>
-            </a:extLst>
-          </a:blip>
-          <a:stretch>
-            <a:fillRect/>
-          </a:stretch>
-        </p:blipFill>
-        <p:spPr>
-          <a:xfrm>
-            <a:off x="961871" y="4096860"/>
-            <a:ext cx="3256130" cy="2561673"/>
-          </a:xfrm>
-          <a:prstGeom prst="rect">
-            <a:avLst/>
-          </a:prstGeom>
-        </p:spPr>
-      </p:pic>
-      <p:pic>
-        <p:nvPicPr>
-          <p:cNvPr id="13" name="图片 12"/>
-          <p:cNvPicPr>
-            <a:picLocks noChangeAspect="1"/>
-          </p:cNvPicPr>
-          <p:nvPr/>
-        </p:nvPicPr>
-        <p:blipFill>
-          <a:blip r:embed="rId5">
-            <a:extLst>
-              <a:ext uri="{28A0092B-C50C-407E-A947-70E740481C1C}">
-                <a14:useLocalDpi xmlns:a14="http://schemas.microsoft.com/office/drawing/2010/main" val="0"/>
-              </a:ext>
-            </a:extLst>
-          </a:blip>
-          <a:stretch>
-            <a:fillRect/>
-          </a:stretch>
-        </p:blipFill>
-        <p:spPr>
-          <a:xfrm>
-            <a:off x="4471499" y="1489978"/>
-            <a:ext cx="3312368" cy="2523925"/>
-          </a:xfrm>
-          <a:prstGeom prst="rect">
-            <a:avLst/>
-          </a:prstGeom>
-        </p:spPr>
-      </p:pic>
-      <p:pic>
-        <p:nvPicPr>
-          <p:cNvPr id="14" name="图片 13"/>
+          <p:cNvPr id="17" name="图片 16"/>
           <p:cNvPicPr>
             <a:picLocks noChangeAspect="1"/>
           </p:cNvPicPr>
@@ -9303,8 +9233,8 @@
         </p:blipFill>
         <p:spPr>
           <a:xfrm>
-            <a:off x="952173" y="1438122"/>
-            <a:ext cx="3241692" cy="2575781"/>
+            <a:off x="4368723" y="3846876"/>
+            <a:ext cx="3702470" cy="2907971"/>
           </a:xfrm>
           <a:prstGeom prst="rect">
             <a:avLst/>

--- a/paper.pptx
+++ b/paper.pptx
@@ -261,7 +261,7 @@
               <a:pPr>
                 <a:defRPr/>
               </a:pPr>
-              <a:t>2017-01-13 Friday</a:t>
+              <a:t>2017-05-24 Wednesday</a:t>
             </a:fld>
             <a:endParaRPr lang="zh-CN" altLang="en-US"/>
           </a:p>
@@ -8875,96 +8875,6 @@
           <a:chExt cx="0" cy="0"/>
         </a:xfrm>
       </p:grpSpPr>
-      <p:pic>
-        <p:nvPicPr>
-          <p:cNvPr id="16" name="图片 15"/>
-          <p:cNvPicPr>
-            <a:picLocks noChangeAspect="1"/>
-          </p:cNvPicPr>
-          <p:nvPr/>
-        </p:nvPicPr>
-        <p:blipFill>
-          <a:blip r:embed="rId3">
-            <a:extLst>
-              <a:ext uri="{28A0092B-C50C-407E-A947-70E740481C1C}">
-                <a14:useLocalDpi xmlns:a14="http://schemas.microsoft.com/office/drawing/2010/main" val="0"/>
-              </a:ext>
-            </a:extLst>
-          </a:blip>
-          <a:stretch>
-            <a:fillRect/>
-          </a:stretch>
-        </p:blipFill>
-        <p:spPr>
-          <a:xfrm>
-            <a:off x="505855" y="3846876"/>
-            <a:ext cx="3670260" cy="2874609"/>
-          </a:xfrm>
-          <a:prstGeom prst="rect">
-            <a:avLst/>
-          </a:prstGeom>
-        </p:spPr>
-      </p:pic>
-      <p:pic>
-        <p:nvPicPr>
-          <p:cNvPr id="15" name="图片 14"/>
-          <p:cNvPicPr>
-            <a:picLocks noChangeAspect="1"/>
-          </p:cNvPicPr>
-          <p:nvPr/>
-        </p:nvPicPr>
-        <p:blipFill>
-          <a:blip r:embed="rId4">
-            <a:extLst>
-              <a:ext uri="{28A0092B-C50C-407E-A947-70E740481C1C}">
-                <a14:useLocalDpi xmlns:a14="http://schemas.microsoft.com/office/drawing/2010/main" val="0"/>
-              </a:ext>
-            </a:extLst>
-          </a:blip>
-          <a:stretch>
-            <a:fillRect/>
-          </a:stretch>
-        </p:blipFill>
-        <p:spPr>
-          <a:xfrm>
-            <a:off x="4247315" y="1022887"/>
-            <a:ext cx="3823877" cy="2885945"/>
-          </a:xfrm>
-          <a:prstGeom prst="rect">
-            <a:avLst/>
-          </a:prstGeom>
-        </p:spPr>
-      </p:pic>
-      <p:pic>
-        <p:nvPicPr>
-          <p:cNvPr id="3" name="图片 2"/>
-          <p:cNvPicPr>
-            <a:picLocks noChangeAspect="1"/>
-          </p:cNvPicPr>
-          <p:nvPr/>
-        </p:nvPicPr>
-        <p:blipFill>
-          <a:blip r:embed="rId5">
-            <a:extLst>
-              <a:ext uri="{28A0092B-C50C-407E-A947-70E740481C1C}">
-                <a14:useLocalDpi xmlns:a14="http://schemas.microsoft.com/office/drawing/2010/main" val="0"/>
-              </a:ext>
-            </a:extLst>
-          </a:blip>
-          <a:stretch>
-            <a:fillRect/>
-          </a:stretch>
-        </p:blipFill>
-        <p:spPr>
-          <a:xfrm>
-            <a:off x="541366" y="1074612"/>
-            <a:ext cx="3654158" cy="2894383"/>
-          </a:xfrm>
-          <a:prstGeom prst="rect">
-            <a:avLst/>
-          </a:prstGeom>
-        </p:spPr>
-      </p:pic>
       <p:grpSp>
         <p:nvGrpSpPr>
           <p:cNvPr id="4" name="组合 3"/>
@@ -9089,138 +8999,16 @@
           </a:p>
         </p:txBody>
       </p:sp>
-      <p:sp>
-        <p:nvSpPr>
-          <p:cNvPr id="8" name="文本框 7"/>
-          <p:cNvSpPr txBox="1"/>
-          <p:nvPr/>
-        </p:nvSpPr>
-        <p:spPr>
-          <a:xfrm>
-            <a:off x="1088737" y="1317249"/>
-            <a:ext cx="2376264" cy="307777"/>
-          </a:xfrm>
-          <a:prstGeom prst="rect">
-            <a:avLst/>
-          </a:prstGeom>
-          <a:noFill/>
-        </p:spPr>
-        <p:txBody>
-          <a:bodyPr wrap="square" rtlCol="0">
-            <a:spAutoFit/>
-          </a:bodyPr>
-          <a:lstStyle/>
-          <a:p>
-            <a:r>
-              <a:rPr lang="en-US" altLang="zh-CN" sz="1400" dirty="0" smtClean="0">
-                <a:latin typeface="微软雅黑" panose="020B0503020204020204" pitchFamily="34" charset="-122"/>
-                <a:ea typeface="微软雅黑" panose="020B0503020204020204" pitchFamily="34" charset="-122"/>
-              </a:rPr>
-              <a:t>drop strain distribution</a:t>
-            </a:r>
-            <a:endParaRPr lang="zh-CN" altLang="en-US" sz="1400" dirty="0">
-              <a:latin typeface="微软雅黑" panose="020B0503020204020204" pitchFamily="34" charset="-122"/>
-              <a:ea typeface="微软雅黑" panose="020B0503020204020204" pitchFamily="34" charset="-122"/>
-            </a:endParaRPr>
-          </a:p>
-        </p:txBody>
-      </p:sp>
-      <p:sp>
-        <p:nvSpPr>
-          <p:cNvPr id="9" name="文本框 8"/>
-          <p:cNvSpPr txBox="1"/>
-          <p:nvPr/>
-        </p:nvSpPr>
-        <p:spPr>
-          <a:xfrm>
-            <a:off x="5148064" y="1300754"/>
-            <a:ext cx="2376264" cy="307777"/>
-          </a:xfrm>
-          <a:prstGeom prst="rect">
-            <a:avLst/>
-          </a:prstGeom>
-          <a:noFill/>
-        </p:spPr>
-        <p:txBody>
-          <a:bodyPr wrap="square" rtlCol="0">
-            <a:spAutoFit/>
-          </a:bodyPr>
-          <a:lstStyle/>
-          <a:p>
-            <a:r>
-              <a:rPr lang="en-US" altLang="zh-CN" sz="1400" dirty="0" err="1" smtClean="0">
-                <a:latin typeface="微软雅黑" panose="020B0503020204020204" pitchFamily="34" charset="-122"/>
-                <a:ea typeface="微软雅黑" panose="020B0503020204020204" pitchFamily="34" charset="-122"/>
-              </a:rPr>
-              <a:t>Youngs</a:t>
-            </a:r>
-            <a:r>
-              <a:rPr lang="en-US" altLang="zh-CN" sz="1400" dirty="0" smtClean="0">
-                <a:latin typeface="微软雅黑" panose="020B0503020204020204" pitchFamily="34" charset="-122"/>
-                <a:ea typeface="微软雅黑" panose="020B0503020204020204" pitchFamily="34" charset="-122"/>
-              </a:rPr>
-              <a:t>’ </a:t>
-            </a:r>
-            <a:r>
-              <a:rPr lang="en-US" altLang="zh-CN" sz="1400" dirty="0" err="1" smtClean="0">
-                <a:latin typeface="微软雅黑" panose="020B0503020204020204" pitchFamily="34" charset="-122"/>
-                <a:ea typeface="微软雅黑" panose="020B0503020204020204" pitchFamily="34" charset="-122"/>
-              </a:rPr>
-              <a:t>Molulous</a:t>
-            </a:r>
-            <a:endParaRPr lang="zh-CN" altLang="en-US" sz="1400" dirty="0">
-              <a:latin typeface="微软雅黑" panose="020B0503020204020204" pitchFamily="34" charset="-122"/>
-              <a:ea typeface="微软雅黑" panose="020B0503020204020204" pitchFamily="34" charset="-122"/>
-            </a:endParaRPr>
-          </a:p>
-        </p:txBody>
-      </p:sp>
-      <p:sp>
-        <p:nvSpPr>
-          <p:cNvPr id="10" name="文本框 9"/>
-          <p:cNvSpPr txBox="1"/>
-          <p:nvPr/>
-        </p:nvSpPr>
-        <p:spPr>
-          <a:xfrm>
-            <a:off x="2047218" y="4211632"/>
-            <a:ext cx="2376264" cy="307777"/>
-          </a:xfrm>
-          <a:prstGeom prst="rect">
-            <a:avLst/>
-          </a:prstGeom>
-          <a:noFill/>
-        </p:spPr>
-        <p:txBody>
-          <a:bodyPr wrap="square" rtlCol="0">
-            <a:spAutoFit/>
-          </a:bodyPr>
-          <a:lstStyle/>
-          <a:p>
-            <a:r>
-              <a:rPr lang="en-US" altLang="zh-CN" sz="1400" dirty="0" smtClean="0">
-                <a:latin typeface="Batang" panose="02030600000101010101" pitchFamily="18" charset="-127"/>
-                <a:ea typeface="Batang" panose="02030600000101010101" pitchFamily="18" charset="-127"/>
-              </a:rPr>
-              <a:t>drop times distribution</a:t>
-            </a:r>
-            <a:endParaRPr lang="zh-CN" altLang="en-US" sz="1400" dirty="0">
-              <a:latin typeface="Batang" panose="02030600000101010101" pitchFamily="18" charset="-127"/>
-              <a:ea typeface="Batang" panose="02030600000101010101" pitchFamily="18" charset="-127"/>
-            </a:endParaRPr>
-          </a:p>
-        </p:txBody>
-      </p:sp>
       <p:pic>
         <p:nvPicPr>
-          <p:cNvPr id="17" name="图片 16"/>
+          <p:cNvPr id="2" name="图片 1"/>
           <p:cNvPicPr>
             <a:picLocks noChangeAspect="1"/>
           </p:cNvPicPr>
           <p:nvPr/>
         </p:nvPicPr>
         <p:blipFill>
-          <a:blip r:embed="rId6">
+          <a:blip r:embed="rId3">
             <a:extLst>
               <a:ext uri="{28A0092B-C50C-407E-A947-70E740481C1C}">
                 <a14:useLocalDpi xmlns:a14="http://schemas.microsoft.com/office/drawing/2010/main" val="0"/>
@@ -9233,8 +9021,8 @@
         </p:blipFill>
         <p:spPr>
           <a:xfrm>
-            <a:off x="4368723" y="3846876"/>
-            <a:ext cx="3702470" cy="2907971"/>
+            <a:off x="755576" y="928670"/>
+            <a:ext cx="7488832" cy="5551956"/>
           </a:xfrm>
           <a:prstGeom prst="rect">
             <a:avLst/>

--- a/paper.pptx
+++ b/paper.pptx
@@ -261,7 +261,7 @@
               <a:pPr>
                 <a:defRPr/>
               </a:pPr>
-              <a:t>2017-05-24 Wednesday</a:t>
+              <a:t>2017-05-27 Saturday</a:t>
             </a:fld>
             <a:endParaRPr lang="zh-CN" altLang="en-US"/>
           </a:p>
@@ -2300,10 +2300,10 @@
           </a:p>
           <a:p>
             <a:r>
-              <a:rPr lang="zh-CN" altLang="en-US" smtClean="0"/>
+              <a:rPr lang="zh-CN" altLang="en-US" dirty="0" smtClean="0"/>
               <a:t>所以我想改进点的地方就是，应该加点什么图，哪些图又该不要，应该在哪些地方多下点功夫，使得这个工作显得更有意义一些？</a:t>
             </a:r>
-            <a:endParaRPr lang="zh-CN" altLang="en-US"/>
+            <a:endParaRPr lang="zh-CN" altLang="en-US" dirty="0"/>
           </a:p>
         </p:txBody>
       </p:sp>
@@ -6357,39 +6357,6 @@
           </a:p>
         </p:txBody>
       </p:sp>
-      <p:pic>
-        <p:nvPicPr>
-          <p:cNvPr id="3" name="图片 2" descr="J:\home1\zhouy\tcscripts\workbench\contacts-knot-dos\0\camparedos.png"/>
-          <p:cNvPicPr/>
-          <p:nvPr/>
-        </p:nvPicPr>
-        <p:blipFill>
-          <a:blip r:embed="rId3">
-            <a:extLst>
-              <a:ext uri="{28A0092B-C50C-407E-A947-70E740481C1C}">
-                <a14:useLocalDpi xmlns:a14="http://schemas.microsoft.com/office/drawing/2010/main" val="0"/>
-              </a:ext>
-            </a:extLst>
-          </a:blip>
-          <a:srcRect/>
-          <a:stretch>
-            <a:fillRect/>
-          </a:stretch>
-        </p:blipFill>
-        <p:spPr bwMode="auto">
-          <a:xfrm>
-            <a:off x="827584" y="1556792"/>
-            <a:ext cx="3528392" cy="2749917"/>
-          </a:xfrm>
-          <a:prstGeom prst="rect">
-            <a:avLst/>
-          </a:prstGeom>
-          <a:noFill/>
-          <a:ln>
-            <a:noFill/>
-          </a:ln>
-        </p:spPr>
-      </p:pic>
       <p:sp>
         <p:nvSpPr>
           <p:cNvPr id="4" name="文本框 3"/>
@@ -6428,14 +6395,14 @@
       </p:sp>
       <p:pic>
         <p:nvPicPr>
-          <p:cNvPr id="5" name="图片 4"/>
+          <p:cNvPr id="7" name="图片 6"/>
           <p:cNvPicPr>
             <a:picLocks noChangeAspect="1"/>
           </p:cNvPicPr>
           <p:nvPr/>
         </p:nvPicPr>
         <p:blipFill>
-          <a:blip r:embed="rId4">
+          <a:blip r:embed="rId3">
             <a:extLst>
               <a:ext uri="{28A0092B-C50C-407E-A947-70E740481C1C}">
                 <a14:useLocalDpi xmlns:a14="http://schemas.microsoft.com/office/drawing/2010/main" val="0"/>
@@ -6448,38 +6415,8 @@
         </p:blipFill>
         <p:spPr>
           <a:xfrm>
-            <a:off x="4572000" y="1584734"/>
-            <a:ext cx="3456384" cy="2730788"/>
-          </a:xfrm>
-          <a:prstGeom prst="rect">
-            <a:avLst/>
-          </a:prstGeom>
-        </p:spPr>
-      </p:pic>
-      <p:pic>
-        <p:nvPicPr>
-          <p:cNvPr id="6" name="图片 5"/>
-          <p:cNvPicPr>
-            <a:picLocks noChangeAspect="1"/>
-          </p:cNvPicPr>
-          <p:nvPr/>
-        </p:nvPicPr>
-        <p:blipFill>
-          <a:blip r:embed="rId5">
-            <a:extLst>
-              <a:ext uri="{28A0092B-C50C-407E-A947-70E740481C1C}">
-                <a14:useLocalDpi xmlns:a14="http://schemas.microsoft.com/office/drawing/2010/main" val="0"/>
-              </a:ext>
-            </a:extLst>
-          </a:blip>
-          <a:stretch>
-            <a:fillRect/>
-          </a:stretch>
-        </p:blipFill>
-        <p:spPr>
-          <a:xfrm>
-            <a:off x="4805117" y="4221088"/>
-            <a:ext cx="3223267" cy="2546609"/>
+            <a:off x="1115616" y="1494692"/>
+            <a:ext cx="6528829" cy="5093218"/>
           </a:xfrm>
           <a:prstGeom prst="rect">
             <a:avLst/>
@@ -8434,69 +8371,6 @@
           </a:ln>
         </p:spPr>
       </p:pic>
-      <p:pic>
-        <p:nvPicPr>
-          <p:cNvPr id="18" name="图片 17" descr="J:\home1\zhouy\tcscripts\workbench\strainknotV\stress_strain.png"/>
-          <p:cNvPicPr/>
-          <p:nvPr/>
-        </p:nvPicPr>
-        <p:blipFill>
-          <a:blip r:embed="rId6">
-            <a:extLst>
-              <a:ext uri="{28A0092B-C50C-407E-A947-70E740481C1C}">
-                <a14:useLocalDpi xmlns:a14="http://schemas.microsoft.com/office/drawing/2010/main" val="0"/>
-              </a:ext>
-            </a:extLst>
-          </a:blip>
-          <a:srcRect/>
-          <a:stretch>
-            <a:fillRect/>
-          </a:stretch>
-        </p:blipFill>
-        <p:spPr bwMode="auto">
-          <a:xfrm>
-            <a:off x="753176" y="3894709"/>
-            <a:ext cx="3040579" cy="2450879"/>
-          </a:xfrm>
-          <a:prstGeom prst="rect">
-            <a:avLst/>
-          </a:prstGeom>
-          <a:noFill/>
-          <a:ln>
-            <a:noFill/>
-          </a:ln>
-        </p:spPr>
-      </p:pic>
-      <p:pic>
-        <p:nvPicPr>
-          <p:cNvPr id="19" name="图片 18"/>
-          <p:cNvPicPr>
-            <a:picLocks noChangeAspect="1"/>
-          </p:cNvPicPr>
-          <p:nvPr/>
-        </p:nvPicPr>
-        <p:blipFill>
-          <a:blip r:embed="rId7">
-            <a:extLst>
-              <a:ext uri="{28A0092B-C50C-407E-A947-70E740481C1C}">
-                <a14:useLocalDpi xmlns:a14="http://schemas.microsoft.com/office/drawing/2010/main" val="0"/>
-              </a:ext>
-            </a:extLst>
-          </a:blip>
-          <a:stretch>
-            <a:fillRect/>
-          </a:stretch>
-        </p:blipFill>
-        <p:spPr>
-          <a:xfrm>
-            <a:off x="4332275" y="3995254"/>
-            <a:ext cx="3069927" cy="2481784"/>
-          </a:xfrm>
-          <a:prstGeom prst="rect">
-            <a:avLst/>
-          </a:prstGeom>
-        </p:spPr>
-      </p:pic>
     </p:spTree>
     <p:extLst>
       <p:ext uri="{BB962C8B-B14F-4D97-AF65-F5344CB8AC3E}">
@@ -8732,9 +8606,80 @@
           </a:ln>
         </p:spPr>
       </p:pic>
+      <p:sp>
+        <p:nvSpPr>
+          <p:cNvPr id="13" name="矩形 12"/>
+          <p:cNvSpPr/>
+          <p:nvPr/>
+        </p:nvSpPr>
+        <p:spPr>
+          <a:xfrm>
+            <a:off x="1718383" y="901883"/>
+            <a:ext cx="1917513" cy="307777"/>
+          </a:xfrm>
+          <a:prstGeom prst="rect">
+            <a:avLst/>
+          </a:prstGeom>
+        </p:spPr>
+        <p:txBody>
+          <a:bodyPr wrap="none">
+            <a:spAutoFit/>
+          </a:bodyPr>
+          <a:lstStyle/>
+          <a:p>
+            <a:r>
+              <a:rPr lang="en-US" altLang="zh-CN" sz="1400" dirty="0" err="1" smtClean="0">
+                <a:latin typeface="Batang" panose="02030600000101010101" pitchFamily="18" charset="-127"/>
+                <a:ea typeface="Batang" panose="02030600000101010101" pitchFamily="18" charset="-127"/>
+              </a:rPr>
+              <a:t>stress~strain@seed</a:t>
+            </a:r>
+            <a:endParaRPr lang="zh-CN" altLang="en-US" sz="1400" dirty="0"/>
+          </a:p>
+        </p:txBody>
+      </p:sp>
+      <p:sp>
+        <p:nvSpPr>
+          <p:cNvPr id="14" name="矩形 13"/>
+          <p:cNvSpPr/>
+          <p:nvPr/>
+        </p:nvSpPr>
+        <p:spPr>
+          <a:xfrm>
+            <a:off x="5220072" y="954502"/>
+            <a:ext cx="2356735" cy="307777"/>
+          </a:xfrm>
+          <a:prstGeom prst="rect">
+            <a:avLst/>
+          </a:prstGeom>
+        </p:spPr>
+        <p:txBody>
+          <a:bodyPr wrap="none">
+            <a:spAutoFit/>
+          </a:bodyPr>
+          <a:lstStyle/>
+          <a:p>
+            <a:r>
+              <a:rPr lang="en-US" altLang="zh-CN" sz="1400" dirty="0" err="1" smtClean="0">
+                <a:latin typeface="Batang" panose="02030600000101010101" pitchFamily="18" charset="-127"/>
+                <a:ea typeface="Batang" panose="02030600000101010101" pitchFamily="18" charset="-127"/>
+              </a:rPr>
+              <a:t>stress~strain@ave</a:t>
+            </a:r>
+            <a:r>
+              <a:rPr lang="en-US" altLang="zh-CN" sz="1400" dirty="0" smtClean="0">
+                <a:latin typeface="Batang" panose="02030600000101010101" pitchFamily="18" charset="-127"/>
+                <a:ea typeface="Batang" panose="02030600000101010101" pitchFamily="18" charset="-127"/>
+              </a:rPr>
+              <a:t>(seed)</a:t>
+            </a:r>
+            <a:endParaRPr lang="zh-CN" altLang="en-US" sz="1400" dirty="0"/>
+          </a:p>
+        </p:txBody>
+      </p:sp>
       <p:pic>
         <p:nvPicPr>
-          <p:cNvPr id="12" name="图片 11"/>
+          <p:cNvPr id="3" name="图片 2"/>
           <p:cNvPicPr>
             <a:picLocks noChangeAspect="1"/>
           </p:cNvPicPr>
@@ -8754,85 +8699,14 @@
         </p:blipFill>
         <p:spPr>
           <a:xfrm>
-            <a:off x="4768727" y="1877162"/>
-            <a:ext cx="3069927" cy="2481784"/>
+            <a:off x="4355976" y="1530103"/>
+            <a:ext cx="4473601" cy="3480170"/>
           </a:xfrm>
           <a:prstGeom prst="rect">
             <a:avLst/>
           </a:prstGeom>
         </p:spPr>
       </p:pic>
-      <p:sp>
-        <p:nvSpPr>
-          <p:cNvPr id="13" name="矩形 12"/>
-          <p:cNvSpPr/>
-          <p:nvPr/>
-        </p:nvSpPr>
-        <p:spPr>
-          <a:xfrm>
-            <a:off x="1718383" y="901883"/>
-            <a:ext cx="1917513" cy="307777"/>
-          </a:xfrm>
-          <a:prstGeom prst="rect">
-            <a:avLst/>
-          </a:prstGeom>
-        </p:spPr>
-        <p:txBody>
-          <a:bodyPr wrap="none">
-            <a:spAutoFit/>
-          </a:bodyPr>
-          <a:lstStyle/>
-          <a:p>
-            <a:r>
-              <a:rPr lang="en-US" altLang="zh-CN" sz="1400" dirty="0" err="1" smtClean="0">
-                <a:latin typeface="Batang" panose="02030600000101010101" pitchFamily="18" charset="-127"/>
-                <a:ea typeface="Batang" panose="02030600000101010101" pitchFamily="18" charset="-127"/>
-              </a:rPr>
-              <a:t>stress~strain@seed</a:t>
-            </a:r>
-            <a:endParaRPr lang="zh-CN" altLang="en-US" sz="1400" dirty="0"/>
-          </a:p>
-        </p:txBody>
-      </p:sp>
-      <p:sp>
-        <p:nvSpPr>
-          <p:cNvPr id="14" name="矩形 13"/>
-          <p:cNvSpPr/>
-          <p:nvPr/>
-        </p:nvSpPr>
-        <p:spPr>
-          <a:xfrm>
-            <a:off x="5220072" y="954502"/>
-            <a:ext cx="2356735" cy="307777"/>
-          </a:xfrm>
-          <a:prstGeom prst="rect">
-            <a:avLst/>
-          </a:prstGeom>
-        </p:spPr>
-        <p:txBody>
-          <a:bodyPr wrap="none">
-            <a:spAutoFit/>
-          </a:bodyPr>
-          <a:lstStyle/>
-          <a:p>
-            <a:r>
-              <a:rPr lang="en-US" altLang="zh-CN" sz="1400" dirty="0" err="1" smtClean="0">
-                <a:latin typeface="Batang" panose="02030600000101010101" pitchFamily="18" charset="-127"/>
-                <a:ea typeface="Batang" panose="02030600000101010101" pitchFamily="18" charset="-127"/>
-              </a:rPr>
-              <a:t>stress~strain@ave</a:t>
-            </a:r>
-            <a:r>
-              <a:rPr lang="en-US" altLang="zh-CN" sz="1400" dirty="0" smtClean="0">
-                <a:latin typeface="Batang" panose="02030600000101010101" pitchFamily="18" charset="-127"/>
-                <a:ea typeface="Batang" panose="02030600000101010101" pitchFamily="18" charset="-127"/>
-              </a:rPr>
-              <a:t>(seed)</a:t>
-            </a:r>
-            <a:endParaRPr lang="zh-CN" altLang="en-US" sz="1400" dirty="0"/>
-          </a:p>
-        </p:txBody>
-      </p:sp>
     </p:spTree>
     <p:extLst>
       <p:ext uri="{BB962C8B-B14F-4D97-AF65-F5344CB8AC3E}">
@@ -9123,7 +8997,7 @@
       </p:sp>
       <p:pic>
         <p:nvPicPr>
-          <p:cNvPr id="9" name="图片 8"/>
+          <p:cNvPr id="2" name="图片 1"/>
           <p:cNvPicPr>
             <a:picLocks noChangeAspect="1"/>
           </p:cNvPicPr>
@@ -9143,38 +9017,8 @@
         </p:blipFill>
         <p:spPr>
           <a:xfrm>
-            <a:off x="4788024" y="1401436"/>
-            <a:ext cx="3168352" cy="2561353"/>
-          </a:xfrm>
-          <a:prstGeom prst="rect">
-            <a:avLst/>
-          </a:prstGeom>
-        </p:spPr>
-      </p:pic>
-      <p:pic>
-        <p:nvPicPr>
-          <p:cNvPr id="10" name="图片 9"/>
-          <p:cNvPicPr>
-            <a:picLocks noChangeAspect="1"/>
-          </p:cNvPicPr>
-          <p:nvPr/>
-        </p:nvPicPr>
-        <p:blipFill>
-          <a:blip r:embed="rId4">
-            <a:extLst>
-              <a:ext uri="{28A0092B-C50C-407E-A947-70E740481C1C}">
-                <a14:useLocalDpi xmlns:a14="http://schemas.microsoft.com/office/drawing/2010/main" val="0"/>
-              </a:ext>
-            </a:extLst>
-          </a:blip>
-          <a:stretch>
-            <a:fillRect/>
-          </a:stretch>
-        </p:blipFill>
-        <p:spPr>
-          <a:xfrm>
-            <a:off x="1115616" y="1387545"/>
-            <a:ext cx="3384376" cy="2681504"/>
+            <a:off x="1619672" y="1268760"/>
+            <a:ext cx="5681985" cy="4817627"/>
           </a:xfrm>
           <a:prstGeom prst="rect">
             <a:avLst/>
@@ -9280,54 +9124,16 @@
           </a:p>
         </p:txBody>
       </p:sp>
-      <p:sp>
-        <p:nvSpPr>
-          <p:cNvPr id="3" name="矩形 2"/>
-          <p:cNvSpPr/>
-          <p:nvPr/>
-        </p:nvSpPr>
-        <p:spPr>
-          <a:xfrm>
-            <a:off x="5868144" y="1025392"/>
-            <a:ext cx="1762021" cy="369332"/>
-          </a:xfrm>
-          <a:prstGeom prst="rect">
-            <a:avLst/>
-          </a:prstGeom>
-        </p:spPr>
-        <p:txBody>
-          <a:bodyPr wrap="none">
-            <a:spAutoFit/>
-          </a:bodyPr>
-          <a:lstStyle/>
-          <a:p>
-            <a:r>
-              <a:rPr lang="en-US" altLang="zh-CN" dirty="0" err="1">
-                <a:latin typeface="Batang" panose="02030600000101010101" pitchFamily="18" charset="-127"/>
-                <a:ea typeface="Batang" panose="02030600000101010101" pitchFamily="18" charset="-127"/>
-              </a:rPr>
-              <a:t>tc~nx</a:t>
-            </a:r>
-            <a:r>
-              <a:rPr lang="en-US" altLang="zh-CN" dirty="0">
-                <a:latin typeface="Batang" panose="02030600000101010101" pitchFamily="18" charset="-127"/>
-                <a:ea typeface="Batang" panose="02030600000101010101" pitchFamily="18" charset="-127"/>
-              </a:rPr>
-              <a:t>,@lx=70</a:t>
-            </a:r>
-          </a:p>
-        </p:txBody>
-      </p:sp>
       <p:pic>
         <p:nvPicPr>
-          <p:cNvPr id="7" name="图片 6"/>
+          <p:cNvPr id="4" name="图片 3"/>
           <p:cNvPicPr>
             <a:picLocks noChangeAspect="1"/>
           </p:cNvPicPr>
           <p:nvPr/>
         </p:nvPicPr>
         <p:blipFill>
-          <a:blip r:embed="rId3" cstate="print">
+          <a:blip r:embed="rId3">
             <a:extLst>
               <a:ext uri="{28A0092B-C50C-407E-A947-70E740481C1C}">
                 <a14:useLocalDpi xmlns:a14="http://schemas.microsoft.com/office/drawing/2010/main" val="0"/>
@@ -9340,205 +9146,8 @@
         </p:blipFill>
         <p:spPr>
           <a:xfrm>
-            <a:off x="1394971" y="3681064"/>
-            <a:ext cx="2791174" cy="2214649"/>
-          </a:xfrm>
-          <a:prstGeom prst="rect">
-            <a:avLst/>
-          </a:prstGeom>
-        </p:spPr>
-      </p:pic>
-      <p:sp>
-        <p:nvSpPr>
-          <p:cNvPr id="9" name="矩形 8"/>
-          <p:cNvSpPr/>
-          <p:nvPr/>
-        </p:nvSpPr>
-        <p:spPr>
-          <a:xfrm>
-            <a:off x="1187624" y="1173143"/>
-            <a:ext cx="3082895" cy="338554"/>
-          </a:xfrm>
-          <a:prstGeom prst="rect">
-            <a:avLst/>
-          </a:prstGeom>
-        </p:spPr>
-        <p:txBody>
-          <a:bodyPr wrap="none">
-            <a:spAutoFit/>
-          </a:bodyPr>
-          <a:lstStyle/>
-          <a:p>
-            <a:r>
-              <a:rPr lang="en-US" altLang="zh-CN" sz="1600" dirty="0">
-                <a:latin typeface="Batang" panose="02030600000101010101" pitchFamily="18" charset="-127"/>
-                <a:ea typeface="Batang" panose="02030600000101010101" pitchFamily="18" charset="-127"/>
-              </a:rPr>
-              <a:t>Kapitza </a:t>
-            </a:r>
-            <a:r>
-              <a:rPr lang="en-US" altLang="zh-CN" sz="1600" dirty="0" err="1">
-                <a:latin typeface="Batang" panose="02030600000101010101" pitchFamily="18" charset="-127"/>
-                <a:ea typeface="Batang" panose="02030600000101010101" pitchFamily="18" charset="-127"/>
-              </a:rPr>
-              <a:t>conductance~dT</a:t>
-            </a:r>
-            <a:r>
-              <a:rPr lang="en-US" altLang="zh-CN" sz="1600" dirty="0">
-                <a:latin typeface="Batang" panose="02030600000101010101" pitchFamily="18" charset="-127"/>
-                <a:ea typeface="Batang" panose="02030600000101010101" pitchFamily="18" charset="-127"/>
-              </a:rPr>
-              <a:t>,@lx</a:t>
-            </a:r>
-          </a:p>
-        </p:txBody>
-      </p:sp>
-      <p:sp>
-        <p:nvSpPr>
-          <p:cNvPr id="10" name="矩形 9"/>
-          <p:cNvSpPr/>
-          <p:nvPr/>
-        </p:nvSpPr>
-        <p:spPr>
-          <a:xfrm>
-            <a:off x="1835696" y="5903087"/>
-            <a:ext cx="1939955" cy="307777"/>
-          </a:xfrm>
-          <a:prstGeom prst="rect">
-            <a:avLst/>
-          </a:prstGeom>
-        </p:spPr>
-        <p:txBody>
-          <a:bodyPr wrap="none">
-            <a:spAutoFit/>
-          </a:bodyPr>
-          <a:lstStyle/>
-          <a:p>
-            <a:r>
-              <a:rPr lang="en-US" altLang="zh-CN" sz="1400" dirty="0" smtClean="0">
-                <a:latin typeface="Batang" panose="02030600000101010101" pitchFamily="18" charset="-127"/>
-                <a:ea typeface="Batang" panose="02030600000101010101" pitchFamily="18" charset="-127"/>
-              </a:rPr>
-              <a:t>Temperature Profile</a:t>
-            </a:r>
-            <a:endParaRPr lang="zh-CN" altLang="en-US" sz="1400" dirty="0"/>
-          </a:p>
-        </p:txBody>
-      </p:sp>
-      <p:pic>
-        <p:nvPicPr>
-          <p:cNvPr id="2" name="图片 1"/>
-          <p:cNvPicPr>
-            <a:picLocks noChangeAspect="1"/>
-          </p:cNvPicPr>
-          <p:nvPr/>
-        </p:nvPicPr>
-        <p:blipFill>
-          <a:blip r:embed="rId4" cstate="print">
-            <a:extLst>
-              <a:ext uri="{28A0092B-C50C-407E-A947-70E740481C1C}">
-                <a14:useLocalDpi xmlns:a14="http://schemas.microsoft.com/office/drawing/2010/main" val="0"/>
-              </a:ext>
-            </a:extLst>
-          </a:blip>
-          <a:stretch>
-            <a:fillRect/>
-          </a:stretch>
-        </p:blipFill>
-        <p:spPr>
-          <a:xfrm>
-            <a:off x="1285123" y="1519071"/>
-            <a:ext cx="2854829" cy="2190275"/>
-          </a:xfrm>
-          <a:prstGeom prst="rect">
-            <a:avLst/>
-          </a:prstGeom>
-        </p:spPr>
-      </p:pic>
-      <p:pic>
-        <p:nvPicPr>
-          <p:cNvPr id="11" name="图片 10"/>
-          <p:cNvPicPr>
-            <a:picLocks noChangeAspect="1"/>
-          </p:cNvPicPr>
-          <p:nvPr/>
-        </p:nvPicPr>
-        <p:blipFill>
-          <a:blip r:embed="rId5">
-            <a:extLst>
-              <a:ext uri="{28A0092B-C50C-407E-A947-70E740481C1C}">
-                <a14:useLocalDpi xmlns:a14="http://schemas.microsoft.com/office/drawing/2010/main" val="0"/>
-              </a:ext>
-            </a:extLst>
-          </a:blip>
-          <a:stretch>
-            <a:fillRect/>
-          </a:stretch>
-        </p:blipFill>
-        <p:spPr>
-          <a:xfrm>
-            <a:off x="5059573" y="3674973"/>
-            <a:ext cx="3059832" cy="2393717"/>
-          </a:xfrm>
-          <a:prstGeom prst="rect">
-            <a:avLst/>
-          </a:prstGeom>
-        </p:spPr>
-      </p:pic>
-      <p:pic>
-        <p:nvPicPr>
-          <p:cNvPr id="13" name="图片 12"/>
-          <p:cNvPicPr>
-            <a:picLocks noChangeAspect="1"/>
-          </p:cNvPicPr>
-          <p:nvPr/>
-        </p:nvPicPr>
-        <p:blipFill>
-          <a:blip r:embed="rId6">
-            <a:extLst>
-              <a:ext uri="{28A0092B-C50C-407E-A947-70E740481C1C}">
-                <a14:useLocalDpi xmlns:a14="http://schemas.microsoft.com/office/drawing/2010/main" val="0"/>
-              </a:ext>
-            </a:extLst>
-          </a:blip>
-          <a:stretch>
-            <a:fillRect/>
-          </a:stretch>
-        </p:blipFill>
-        <p:spPr>
-          <a:xfrm>
-            <a:off x="5059573" y="1342420"/>
-            <a:ext cx="3059832" cy="2438235"/>
-          </a:xfrm>
-          <a:prstGeom prst="rect">
-            <a:avLst/>
-          </a:prstGeom>
-        </p:spPr>
-      </p:pic>
-      <p:pic>
-        <p:nvPicPr>
-          <p:cNvPr id="14" name="图片 13"/>
-          <p:cNvPicPr>
-            <a:picLocks noChangeAspect="1"/>
-          </p:cNvPicPr>
-          <p:nvPr/>
-        </p:nvPicPr>
-        <p:blipFill>
-          <a:blip r:embed="rId7" cstate="print">
-            <a:extLst>
-              <a:ext uri="{28A0092B-C50C-407E-A947-70E740481C1C}">
-                <a14:useLocalDpi xmlns:a14="http://schemas.microsoft.com/office/drawing/2010/main" val="0"/>
-              </a:ext>
-            </a:extLst>
-          </a:blip>
-          <a:stretch>
-            <a:fillRect/>
-          </a:stretch>
-        </p:blipFill>
-        <p:spPr>
-          <a:xfrm>
-            <a:off x="5470067" y="3808884"/>
-            <a:ext cx="1284371" cy="1009019"/>
+            <a:off x="1619672" y="980728"/>
+            <a:ext cx="5616624" cy="5655182"/>
           </a:xfrm>
           <a:prstGeom prst="rect">
             <a:avLst/>

--- a/paper.pptx
+++ b/paper.pptx
@@ -261,7 +261,7 @@
               <a:pPr>
                 <a:defRPr/>
               </a:pPr>
-              <a:t>2017-05-27 Saturday</a:t>
+              <a:t>2017-06-10 Saturday</a:t>
             </a:fld>
             <a:endParaRPr lang="zh-CN" altLang="en-US"/>
           </a:p>
@@ -8015,7 +8015,7 @@
       </p:sp>
       <p:pic>
         <p:nvPicPr>
-          <p:cNvPr id="4" name="图片 3"/>
+          <p:cNvPr id="2" name="图片 1"/>
           <p:cNvPicPr>
             <a:picLocks noChangeAspect="1"/>
           </p:cNvPicPr>
@@ -8035,12 +8035,19 @@
         </p:blipFill>
         <p:spPr>
           <a:xfrm>
-            <a:off x="2267744" y="1844824"/>
-            <a:ext cx="4128458" cy="3096344"/>
+            <a:off x="1691680" y="1628800"/>
+            <a:ext cx="5553950" cy="3504753"/>
           </a:xfrm>
           <a:prstGeom prst="rect">
             <a:avLst/>
           </a:prstGeom>
+          <a:ln>
+            <a:solidFill>
+              <a:schemeClr val="bg1">
+                <a:lumMod val="75000"/>
+              </a:schemeClr>
+            </a:solidFill>
+          </a:ln>
         </p:spPr>
       </p:pic>
     </p:spTree>
